--- a/Later/Spring_Later/25_SpringBoot_Service/16/Spring Boot - JPA.pptx
+++ b/Later/Spring_Later/25_SpringBoot_Service/16/Spring Boot - JPA.pptx
@@ -195,7 +195,7 @@
           <a:p>
             <a:fld id="{62274EC6-3890-417B-9308-14EFBD00FA63}" type="datetimeFigureOut">
               <a:rPr lang="en-US" smtClean="0"/>
-              <a:t>4/20/2019</a:t>
+              <a:t>8/6/2019</a:t>
             </a:fld>
             <a:endParaRPr lang="en-US" dirty="0"/>
           </a:p>
@@ -1001,7 +1001,7 @@
             <a:fld id="{1D8BD707-D9CF-40AE-B4C6-C98DA3205C09}" type="datetimeFigureOut">
               <a:rPr lang="en-US" smtClean="0"/>
               <a:pPr/>
-              <a:t>4/20/2019</a:t>
+              <a:t>8/6/2019</a:t>
             </a:fld>
             <a:endParaRPr lang="en-US" dirty="0"/>
           </a:p>
@@ -1173,7 +1173,7 @@
             <a:fld id="{1D8BD707-D9CF-40AE-B4C6-C98DA3205C09}" type="datetimeFigureOut">
               <a:rPr lang="en-US" smtClean="0"/>
               <a:pPr/>
-              <a:t>4/20/2019</a:t>
+              <a:t>8/6/2019</a:t>
             </a:fld>
             <a:endParaRPr lang="en-US" dirty="0"/>
           </a:p>
@@ -1355,7 +1355,7 @@
             <a:fld id="{1D8BD707-D9CF-40AE-B4C6-C98DA3205C09}" type="datetimeFigureOut">
               <a:rPr lang="en-US" smtClean="0"/>
               <a:pPr/>
-              <a:t>4/20/2019</a:t>
+              <a:t>8/6/2019</a:t>
             </a:fld>
             <a:endParaRPr lang="en-US" dirty="0"/>
           </a:p>
@@ -1527,7 +1527,7 @@
             <a:fld id="{1D8BD707-D9CF-40AE-B4C6-C98DA3205C09}" type="datetimeFigureOut">
               <a:rPr lang="en-US" smtClean="0"/>
               <a:pPr/>
-              <a:t>4/20/2019</a:t>
+              <a:t>8/6/2019</a:t>
             </a:fld>
             <a:endParaRPr lang="en-US" dirty="0"/>
           </a:p>
@@ -1775,7 +1775,7 @@
             <a:fld id="{1D8BD707-D9CF-40AE-B4C6-C98DA3205C09}" type="datetimeFigureOut">
               <a:rPr lang="en-US" smtClean="0"/>
               <a:pPr/>
-              <a:t>4/20/2019</a:t>
+              <a:t>8/6/2019</a:t>
             </a:fld>
             <a:endParaRPr lang="en-US" dirty="0"/>
           </a:p>
@@ -2065,7 +2065,7 @@
             <a:fld id="{1D8BD707-D9CF-40AE-B4C6-C98DA3205C09}" type="datetimeFigureOut">
               <a:rPr lang="en-US" smtClean="0"/>
               <a:pPr/>
-              <a:t>4/20/2019</a:t>
+              <a:t>8/6/2019</a:t>
             </a:fld>
             <a:endParaRPr lang="en-US" dirty="0"/>
           </a:p>
@@ -2494,7 +2494,7 @@
             <a:fld id="{1D8BD707-D9CF-40AE-B4C6-C98DA3205C09}" type="datetimeFigureOut">
               <a:rPr lang="en-US" smtClean="0"/>
               <a:pPr/>
-              <a:t>4/20/2019</a:t>
+              <a:t>8/6/2019</a:t>
             </a:fld>
             <a:endParaRPr lang="en-US" dirty="0"/>
           </a:p>
@@ -2614,7 +2614,7 @@
             <a:fld id="{1D8BD707-D9CF-40AE-B4C6-C98DA3205C09}" type="datetimeFigureOut">
               <a:rPr lang="en-US" smtClean="0"/>
               <a:pPr/>
-              <a:t>4/20/2019</a:t>
+              <a:t>8/6/2019</a:t>
             </a:fld>
             <a:endParaRPr lang="en-US" dirty="0"/>
           </a:p>
@@ -2711,7 +2711,7 @@
             <a:fld id="{1D8BD707-D9CF-40AE-B4C6-C98DA3205C09}" type="datetimeFigureOut">
               <a:rPr lang="en-US" smtClean="0"/>
               <a:pPr/>
-              <a:t>4/20/2019</a:t>
+              <a:t>8/6/2019</a:t>
             </a:fld>
             <a:endParaRPr lang="en-US" dirty="0"/>
           </a:p>
@@ -2990,7 +2990,7 @@
             <a:fld id="{1D8BD707-D9CF-40AE-B4C6-C98DA3205C09}" type="datetimeFigureOut">
               <a:rPr lang="en-US" smtClean="0"/>
               <a:pPr/>
-              <a:t>4/20/2019</a:t>
+              <a:t>8/6/2019</a:t>
             </a:fld>
             <a:endParaRPr lang="en-US" dirty="0"/>
           </a:p>
@@ -3245,7 +3245,7 @@
             <a:fld id="{1D8BD707-D9CF-40AE-B4C6-C98DA3205C09}" type="datetimeFigureOut">
               <a:rPr lang="en-US" smtClean="0"/>
               <a:pPr/>
-              <a:t>4/20/2019</a:t>
+              <a:t>8/6/2019</a:t>
             </a:fld>
             <a:endParaRPr lang="en-US" dirty="0"/>
           </a:p>
@@ -3460,7 +3460,7 @@
             <a:fld id="{1D8BD707-D9CF-40AE-B4C6-C98DA3205C09}" type="datetimeFigureOut">
               <a:rPr lang="en-US" smtClean="0"/>
               <a:pPr/>
-              <a:t>4/20/2019</a:t>
+              <a:t>8/6/2019</a:t>
             </a:fld>
             <a:endParaRPr lang="en-US" dirty="0"/>
           </a:p>
@@ -3962,7 +3962,7 @@
         <p:spPr>
           <a:xfrm>
             <a:off x="3745207" y="21838"/>
-            <a:ext cx="1360194" cy="276999"/>
+            <a:ext cx="1360194" cy="461665"/>
           </a:xfrm>
           <a:prstGeom prst="rect">
             <a:avLst/>
@@ -4082,16 +4082,10 @@
             </a:lvl9pPr>
           </a:lstStyle>
           <a:p>
-            <a:pPr algn="ctr"/>
             <a:r>
               <a:rPr lang="en-US" sz="1200" dirty="0"/>
-              <a:t>Spring Boot - </a:t>
-            </a:r>
-            <a:r>
-              <a:rPr lang="en-US" sz="1200" dirty="0" smtClean="0"/>
-              <a:t>JPA</a:t>
-            </a:r>
-            <a:endParaRPr lang="en-US" sz="1200" dirty="0"/>
+              <a:t>Spring REST Hello World Example</a:t>
+            </a:r>
           </a:p>
         </p:txBody>
       </p:sp>
@@ -4325,11 +4319,7 @@
           <a:p>
             <a:r>
               <a:rPr lang="en-US" sz="1200" dirty="0" smtClean="0"/>
-              <a:t>Create/Update/Get/delete/Get </a:t>
-            </a:r>
-            <a:r>
-              <a:rPr lang="en-US" sz="1200" dirty="0" smtClean="0"/>
-              <a:t>list of Employee details</a:t>
+              <a:t>Create/Update/Get/delete/Get list of Employee details</a:t>
             </a:r>
             <a:endParaRPr lang="en-US" sz="1200" dirty="0"/>
           </a:p>
@@ -4383,11 +4373,7 @@
             </a:r>
             <a:r>
               <a:rPr lang="en-US" sz="1200" dirty="0"/>
-              <a:t>a RESTful Web Services by using </a:t>
-            </a:r>
-            <a:r>
-              <a:rPr lang="en-US" sz="1200" dirty="0"/>
-              <a:t> </a:t>
+              <a:t>a RESTful Web Services by using  </a:t>
             </a:r>
             <a:r>
               <a:rPr lang="en-US" sz="1200" dirty="0" smtClean="0"/>
@@ -4475,13 +4461,40 @@
           <a:p>
             <a:r>
               <a:rPr lang="en-US" sz="1200" dirty="0" smtClean="0"/>
-              <a:t>Postman </a:t>
-            </a:r>
-            <a:r>
-              <a:rPr lang="en-US" sz="1200" dirty="0" smtClean="0"/>
-              <a:t>client</a:t>
+              <a:t>Postman client</a:t>
             </a:r>
             <a:endParaRPr lang="en-US" sz="1200" dirty="0"/>
+          </a:p>
+        </p:txBody>
+      </p:sp>
+      <p:sp>
+        <p:nvSpPr>
+          <p:cNvPr id="4" name="Rectangle 3"/>
+          <p:cNvSpPr/>
+          <p:nvPr/>
+        </p:nvSpPr>
+        <p:spPr>
+          <a:xfrm>
+            <a:off x="2286000" y="2191435"/>
+            <a:ext cx="4572000" cy="646331"/>
+          </a:xfrm>
+          <a:prstGeom prst="rect">
+            <a:avLst/>
+          </a:prstGeom>
+        </p:spPr>
+        <p:txBody>
+          <a:bodyPr>
+            <a:spAutoFit/>
+          </a:bodyPr>
+          <a:lstStyle/>
+          <a:p>
+            <a:r>
+              <a:rPr lang="en-US">
+                <a:hlinkClick r:id="rId4"/>
+              </a:rPr>
+              <a:t>https://www.mkyong.com/spring-boot/spring-rest-hello-world-example/</a:t>
+            </a:r>
+            <a:endParaRPr lang="en-US"/>
           </a:p>
         </p:txBody>
       </p:sp>
@@ -4953,7 +4966,6 @@
               <a:rPr lang="en-US" sz="1200" dirty="0"/>
               <a:t>Spring Data JPA provides complete abstraction over the DAO layer. We don’t need to write the implementation for the DAO layer anymore; Spring Data auto-generates the implementation DAO implementations.</a:t>
             </a:r>
-            <a:endParaRPr lang="en-US" sz="1200" dirty="0"/>
           </a:p>
         </p:txBody>
       </p:sp>
@@ -5469,15 +5481,7 @@
             </a:r>
             <a:r>
               <a:rPr lang="en-US" sz="1200" dirty="0"/>
-              <a:t>is annotated with </a:t>
-            </a:r>
-            <a:r>
-              <a:rPr lang="en-US" sz="1200" dirty="0"/>
-              <a:t>@Entity</a:t>
-            </a:r>
-            <a:r>
-              <a:rPr lang="en-US" sz="1200" dirty="0"/>
-              <a:t>, which is to denote this is an entity object for the table name </a:t>
+              <a:t>is annotated with @Entity, which is to denote this is an entity object for the table name </a:t>
             </a:r>
             <a:r>
               <a:rPr lang="en-US" sz="1200" dirty="0" smtClean="0"/>
@@ -5498,15 +5502,7 @@
             </a:pPr>
             <a:r>
               <a:rPr lang="en-US" sz="1200" dirty="0"/>
-              <a:t>id</a:t>
-            </a:r>
-            <a:r>
-              <a:rPr lang="en-US" sz="1200" dirty="0"/>
-              <a:t> is our Primary Key and, hence, marked as </a:t>
-            </a:r>
-            <a:r>
-              <a:rPr lang="en-US" sz="1200" dirty="0"/>
-              <a:t>@Id</a:t>
+              <a:t>id is our Primary Key and, hence, marked as @Id</a:t>
             </a:r>
             <a:r>
               <a:rPr lang="en-US" sz="1200" dirty="0" smtClean="0"/>
@@ -5514,15 +5510,7 @@
             </a:r>
             <a:r>
               <a:rPr lang="en-US" sz="1200" dirty="0"/>
-              <a:t> The field </a:t>
-            </a:r>
-            <a:r>
-              <a:rPr lang="en-US" sz="1200" dirty="0"/>
-              <a:t>id</a:t>
-            </a:r>
-            <a:r>
-              <a:rPr lang="en-US" sz="1200" dirty="0"/>
-              <a:t> is also marked with </a:t>
+              <a:t> The field id is also marked with </a:t>
             </a:r>
             <a:r>
               <a:rPr lang="en-US" sz="1200" dirty="0">
@@ -5542,15 +5530,7 @@
             </a:r>
             <a:r>
               <a:rPr lang="en-US" sz="1200" dirty="0"/>
-              <a:t>which denotes that this is an Auto-Increment column and Hibernate will take care of putting in the next value. Hibernate will first query the underlying table to know the max value of the column and increment it with next insert. This also means that we don’t need to specify any value for the </a:t>
-            </a:r>
-            <a:r>
-              <a:rPr lang="en-US" sz="1200" dirty="0"/>
-              <a:t>Id</a:t>
-            </a:r>
-            <a:r>
-              <a:rPr lang="en-US" sz="1200" dirty="0"/>
-              <a:t> column and can leave it blank.</a:t>
+              <a:t>which denotes that this is an Auto-Increment column and Hibernate will take care of putting in the next value. Hibernate will first query the underlying table to know the max value of the column and increment it with next insert. This also means that we don’t need to specify any value for the Id column and can leave it blank.</a:t>
             </a:r>
             <a:endParaRPr lang="en-US" sz="1200" dirty="0" smtClean="0"/>
           </a:p>
@@ -6036,11 +6016,7 @@
             </a:r>
             <a:r>
               <a:rPr lang="en-US" sz="1200" dirty="0"/>
-              <a:t>That is because Spring Data’s </a:t>
-            </a:r>
-            <a:r>
-              <a:rPr lang="en-US" sz="1200" dirty="0"/>
-              <a:t> </a:t>
+              <a:t>That is because Spring Data’s  </a:t>
             </a:r>
             <a:r>
               <a:rPr lang="en-US" sz="1200" dirty="0" err="1" smtClean="0"/>
@@ -6054,7 +6030,6 @@
               <a:rPr lang="en-US" sz="1200" dirty="0"/>
               <a:t> has already declared basic CRUD methods.</a:t>
             </a:r>
-            <a:endParaRPr lang="en-US" sz="1200" dirty="0"/>
           </a:p>
         </p:txBody>
       </p:sp>
